--- a/slides/21.pptx
+++ b/slides/21.pptx
@@ -198,7 +198,7 @@
           <a:p>
             <a:fld id="{B5245140-4068-4AE3-A747-F5FE3A0D1866}" type="datetimeFigureOut">
               <a:rPr lang="fa-IR" smtClean="0"/>
-              <a:t>29/11/1442</a:t>
+              <a:t>16/01/1445</a:t>
             </a:fld>
             <a:endParaRPr lang="fa-IR"/>
           </a:p>
@@ -365,7 +365,7 @@
             <a:fld id="{7AB488F7-1FAC-40D2-BB7E-BA3CE28D8950}" type="datetimeFigureOut">
               <a:rPr lang="en-US" smtClean="0"/>
               <a:pPr/>
-              <a:t>7/8/2021</a:t>
+              <a:t>8/2/2023</a:t>
             </a:fld>
             <a:endParaRPr lang="en-US"/>
           </a:p>
@@ -817,7 +817,7 @@
             <a:fld id="{425404F2-BE9A-4460-8815-8F645183555F}" type="datetimeFigureOut">
               <a:rPr lang="en-US" smtClean="0"/>
               <a:pPr/>
-              <a:t>7/8/2021</a:t>
+              <a:t>8/2/2023</a:t>
             </a:fld>
             <a:endParaRPr lang="en-US"/>
           </a:p>
@@ -989,7 +989,7 @@
             <a:fld id="{425404F2-BE9A-4460-8815-8F645183555F}" type="datetimeFigureOut">
               <a:rPr lang="en-US" smtClean="0"/>
               <a:pPr/>
-              <a:t>7/8/2021</a:t>
+              <a:t>8/2/2023</a:t>
             </a:fld>
             <a:endParaRPr lang="en-US"/>
           </a:p>
@@ -1171,7 +1171,7 @@
             <a:fld id="{425404F2-BE9A-4460-8815-8F645183555F}" type="datetimeFigureOut">
               <a:rPr lang="en-US" smtClean="0"/>
               <a:pPr/>
-              <a:t>7/8/2021</a:t>
+              <a:t>8/2/2023</a:t>
             </a:fld>
             <a:endParaRPr lang="en-US"/>
           </a:p>
@@ -1343,7 +1343,7 @@
             <a:fld id="{425404F2-BE9A-4460-8815-8F645183555F}" type="datetimeFigureOut">
               <a:rPr lang="en-US" smtClean="0"/>
               <a:pPr/>
-              <a:t>7/8/2021</a:t>
+              <a:t>8/2/2023</a:t>
             </a:fld>
             <a:endParaRPr lang="en-US"/>
           </a:p>
@@ -1591,7 +1591,7 @@
             <a:fld id="{425404F2-BE9A-4460-8815-8F645183555F}" type="datetimeFigureOut">
               <a:rPr lang="en-US" smtClean="0"/>
               <a:pPr/>
-              <a:t>7/8/2021</a:t>
+              <a:t>8/2/2023</a:t>
             </a:fld>
             <a:endParaRPr lang="en-US"/>
           </a:p>
@@ -1881,7 +1881,7 @@
             <a:fld id="{425404F2-BE9A-4460-8815-8F645183555F}" type="datetimeFigureOut">
               <a:rPr lang="en-US" smtClean="0"/>
               <a:pPr/>
-              <a:t>7/8/2021</a:t>
+              <a:t>8/2/2023</a:t>
             </a:fld>
             <a:endParaRPr lang="en-US"/>
           </a:p>
@@ -2305,7 +2305,7 @@
             <a:fld id="{425404F2-BE9A-4460-8815-8F645183555F}" type="datetimeFigureOut">
               <a:rPr lang="en-US" smtClean="0"/>
               <a:pPr/>
-              <a:t>7/8/2021</a:t>
+              <a:t>8/2/2023</a:t>
             </a:fld>
             <a:endParaRPr lang="en-US"/>
           </a:p>
@@ -2431,7 +2431,7 @@
             <a:fld id="{425404F2-BE9A-4460-8815-8F645183555F}" type="datetimeFigureOut">
               <a:rPr lang="en-US" smtClean="0"/>
               <a:pPr/>
-              <a:t>7/8/2021</a:t>
+              <a:t>8/2/2023</a:t>
             </a:fld>
             <a:endParaRPr lang="en-US"/>
           </a:p>
@@ -2528,7 +2528,7 @@
             <a:fld id="{425404F2-BE9A-4460-8815-8F645183555F}" type="datetimeFigureOut">
               <a:rPr lang="en-US" smtClean="0"/>
               <a:pPr/>
-              <a:t>7/8/2021</a:t>
+              <a:t>8/2/2023</a:t>
             </a:fld>
             <a:endParaRPr lang="en-US"/>
           </a:p>
@@ -2807,7 +2807,7 @@
             <a:fld id="{425404F2-BE9A-4460-8815-8F645183555F}" type="datetimeFigureOut">
               <a:rPr lang="en-US" smtClean="0"/>
               <a:pPr/>
-              <a:t>7/8/2021</a:t>
+              <a:t>8/2/2023</a:t>
             </a:fld>
             <a:endParaRPr lang="en-US"/>
           </a:p>
@@ -3062,7 +3062,7 @@
             <a:fld id="{425404F2-BE9A-4460-8815-8F645183555F}" type="datetimeFigureOut">
               <a:rPr lang="en-US" smtClean="0"/>
               <a:pPr/>
-              <a:t>7/8/2021</a:t>
+              <a:t>8/2/2023</a:t>
             </a:fld>
             <a:endParaRPr lang="en-US"/>
           </a:p>
@@ -3286,7 +3286,7 @@
             <a:fld id="{425404F2-BE9A-4460-8815-8F645183555F}" type="datetimeFigureOut">
               <a:rPr lang="en-US" smtClean="0"/>
               <a:pPr/>
-              <a:t>7/8/2021</a:t>
+              <a:t>8/2/2023</a:t>
             </a:fld>
             <a:endParaRPr lang="en-US"/>
           </a:p>
@@ -4017,12 +4017,6 @@
               </a:rPr>
               <a:t>جلسه بیست و یکم</a:t>
             </a:r>
-            <a:endParaRPr lang="fa-IR" sz="2800" dirty="0" smtClean="0">
-              <a:solidFill>
-                <a:srgbClr val="FFFF00"/>
-              </a:solidFill>
-              <a:cs typeface="Far.Black" pitchFamily="2" charset="-78"/>
-            </a:endParaRPr>
           </a:p>
           <a:p>
             <a:pPr algn="ctr" rtl="1"/>
@@ -4238,13 +4232,6 @@
               </a:rPr>
               <a:t>Morphology</a:t>
             </a:r>
-            <a:endParaRPr lang="en-US" sz="4400" dirty="0" smtClean="0">
-              <a:solidFill>
-                <a:schemeClr val="bg1"/>
-              </a:solidFill>
-              <a:latin typeface="Lalezar" pitchFamily="2" charset="-78"/>
-              <a:cs typeface="Lalezar" pitchFamily="2" charset="-78"/>
-            </a:endParaRPr>
           </a:p>
           <a:p>
             <a:pPr algn="r" rtl="1"/>
@@ -4843,7 +4830,43 @@
                 </a:solidFill>
                 <a:cs typeface="Far.Black" pitchFamily="2" charset="-78"/>
               </a:rPr>
-              <a:t>اول یک </a:t>
+              <a:t>اول </a:t>
+            </a:r>
+            <a:r>
+              <a:rPr lang="fa-IR" dirty="0" smtClean="0">
+                <a:solidFill>
+                  <a:schemeClr val="bg1"/>
+                </a:solidFill>
+                <a:cs typeface="Far.Black" pitchFamily="2" charset="-78"/>
+              </a:rPr>
+              <a:t>یک </a:t>
+            </a:r>
+            <a:r>
+              <a:rPr lang="en-US" dirty="0">
+                <a:solidFill>
+                  <a:schemeClr val="bg1"/>
+                </a:solidFill>
+                <a:cs typeface="Far.Black" pitchFamily="2" charset="-78"/>
+              </a:rPr>
+              <a:t>dilation</a:t>
+            </a:r>
+            <a:r>
+              <a:rPr lang="fa-IR" dirty="0" smtClean="0">
+                <a:solidFill>
+                  <a:schemeClr val="bg1"/>
+                </a:solidFill>
+                <a:cs typeface="Far.Black" pitchFamily="2" charset="-78"/>
+              </a:rPr>
+              <a:t> بعد </a:t>
+            </a:r>
+            <a:r>
+              <a:rPr lang="fa-IR" dirty="0">
+                <a:solidFill>
+                  <a:schemeClr val="bg1"/>
+                </a:solidFill>
+                <a:cs typeface="Far.Black" pitchFamily="2" charset="-78"/>
+              </a:rPr>
+              <a:t>یک </a:t>
             </a:r>
             <a:r>
               <a:rPr lang="en-US" dirty="0" smtClean="0">
@@ -4861,25 +4884,7 @@
                 </a:solidFill>
                 <a:cs typeface="Far.Black" pitchFamily="2" charset="-78"/>
               </a:rPr>
-              <a:t> بعد </a:t>
-            </a:r>
-            <a:r>
-              <a:rPr lang="fa-IR" dirty="0">
-                <a:solidFill>
-                  <a:schemeClr val="bg1"/>
-                </a:solidFill>
-                <a:cs typeface="Far.Black" pitchFamily="2" charset="-78"/>
-              </a:rPr>
-              <a:t>یک </a:t>
-            </a:r>
-            <a:r>
-              <a:rPr lang="en-US" dirty="0" smtClean="0">
-                <a:solidFill>
-                  <a:schemeClr val="bg1"/>
-                </a:solidFill>
-                <a:cs typeface="Far.Black" pitchFamily="2" charset="-78"/>
-              </a:rPr>
-              <a:t>dilation </a:t>
+              <a:t> </a:t>
             </a:r>
             <a:endParaRPr lang="fa-IR" dirty="0"/>
           </a:p>
@@ -4909,7 +4914,7 @@
           <a:p>
             <a:pPr algn="r" rtl="1"/>
             <a:r>
-              <a:rPr lang="fa-IR" dirty="0">
+              <a:rPr lang="fa-IR" dirty="0" smtClean="0">
                 <a:solidFill>
                   <a:schemeClr val="bg1"/>
                 </a:solidFill>
@@ -4918,6 +4923,24 @@
               <a:t>اول یک </a:t>
             </a:r>
             <a:r>
+              <a:rPr lang="en-US" dirty="0" smtClean="0">
+                <a:solidFill>
+                  <a:schemeClr val="bg1"/>
+                </a:solidFill>
+                <a:cs typeface="Far.Black" pitchFamily="2" charset="-78"/>
+              </a:rPr>
+              <a:t>erosion</a:t>
+            </a:r>
+            <a:r>
+              <a:rPr lang="fa-IR" dirty="0" smtClean="0">
+                <a:solidFill>
+                  <a:schemeClr val="bg1"/>
+                </a:solidFill>
+                <a:cs typeface="Far.Black" pitchFamily="2" charset="-78"/>
+              </a:rPr>
+              <a:t> بعد یک </a:t>
+            </a:r>
+            <a:r>
               <a:rPr lang="en-US" dirty="0">
                 <a:solidFill>
                   <a:schemeClr val="bg1"/>
@@ -4926,33 +4949,6 @@
               </a:rPr>
               <a:t>dilation </a:t>
             </a:r>
-            <a:r>
-              <a:rPr lang="fa-IR" dirty="0" smtClean="0">
-                <a:solidFill>
-                  <a:schemeClr val="bg1"/>
-                </a:solidFill>
-                <a:cs typeface="Far.Black" pitchFamily="2" charset="-78"/>
-              </a:rPr>
-              <a:t> بعد </a:t>
-            </a:r>
-            <a:r>
-              <a:rPr lang="fa-IR" dirty="0">
-                <a:solidFill>
-                  <a:schemeClr val="bg1"/>
-                </a:solidFill>
-                <a:cs typeface="Far.Black" pitchFamily="2" charset="-78"/>
-              </a:rPr>
-              <a:t>یک </a:t>
-            </a:r>
-            <a:r>
-              <a:rPr lang="en-US" dirty="0">
-                <a:solidFill>
-                  <a:schemeClr val="bg1"/>
-                </a:solidFill>
-                <a:cs typeface="Far.Black" pitchFamily="2" charset="-78"/>
-              </a:rPr>
-              <a:t>erosion </a:t>
-            </a:r>
             <a:endParaRPr lang="fa-IR" dirty="0"/>
           </a:p>
         </p:txBody>
@@ -4966,7 +4962,7 @@
         <p:spPr>
           <a:xfrm>
             <a:off x="611560" y="3166785"/>
-            <a:ext cx="8136904" cy="461665"/>
+            <a:ext cx="8136904" cy="1200329"/>
           </a:xfrm>
           <a:prstGeom prst="rect">
             <a:avLst/>
@@ -4980,6 +4976,24 @@
           <a:lstStyle/>
           <a:p>
             <a:pPr algn="r" rtl="1"/>
+            <a:endParaRPr lang="fa-IR" dirty="0" smtClean="0">
+              <a:solidFill>
+                <a:srgbClr val="66EC02"/>
+              </a:solidFill>
+              <a:cs typeface="Far.Black" pitchFamily="2" charset="-78"/>
+            </a:endParaRPr>
+          </a:p>
+          <a:p>
+            <a:pPr algn="r" rtl="1"/>
+            <a:endParaRPr lang="fa-IR" dirty="0" smtClean="0">
+              <a:solidFill>
+                <a:srgbClr val="66EC02"/>
+              </a:solidFill>
+              <a:cs typeface="Far.Black" pitchFamily="2" charset="-78"/>
+            </a:endParaRPr>
+          </a:p>
+          <a:p>
+            <a:pPr algn="r" rtl="1"/>
             <a:r>
               <a:rPr lang="fa-IR" dirty="0" smtClean="0">
                 <a:solidFill>
@@ -4987,7 +5001,16 @@
                 </a:solidFill>
                 <a:cs typeface="Far.Black" pitchFamily="2" charset="-78"/>
               </a:rPr>
-              <a:t>نکته : همیشه شی را سفید و پس زمینه را سیاه در نظر بگیرید</a:t>
+              <a:t>نکته </a:t>
+            </a:r>
+            <a:r>
+              <a:rPr lang="fa-IR" dirty="0" smtClean="0">
+                <a:solidFill>
+                  <a:srgbClr val="66EC02"/>
+                </a:solidFill>
+                <a:cs typeface="Far.Black" pitchFamily="2" charset="-78"/>
+              </a:rPr>
+              <a:t>: همیشه شی را سفید و پس زمینه را سیاه در نظر بگیرید</a:t>
             </a:r>
             <a:endParaRPr lang="fa-IR" dirty="0">
               <a:solidFill>
@@ -4997,6 +5020,88 @@
           </a:p>
         </p:txBody>
       </p:sp>
+      <p:pic>
+        <p:nvPicPr>
+          <p:cNvPr id="1026" name="Picture 2" descr="C:\Users\Farid\Pictures\Capture.PNG"/>
+          <p:cNvPicPr>
+            <a:picLocks noChangeAspect="1" noChangeArrowheads="1"/>
+          </p:cNvPicPr>
+          <p:nvPr/>
+        </p:nvPicPr>
+        <p:blipFill>
+          <a:blip r:embed="rId2">
+            <a:extLst>
+              <a:ext uri="{28A0092B-C50C-407E-A947-70E740481C1C}">
+                <a14:useLocalDpi xmlns:a14="http://schemas.microsoft.com/office/drawing/2010/main" val="0"/>
+              </a:ext>
+            </a:extLst>
+          </a:blip>
+          <a:srcRect/>
+          <a:stretch>
+            <a:fillRect/>
+          </a:stretch>
+        </p:blipFill>
+        <p:spPr bwMode="auto">
+          <a:xfrm>
+            <a:off x="480016" y="2867793"/>
+            <a:ext cx="3362325" cy="771525"/>
+          </a:xfrm>
+          <a:prstGeom prst="rect">
+            <a:avLst/>
+          </a:prstGeom>
+          <a:noFill/>
+          <a:extLst>
+            <a:ext uri="{909E8E84-426E-40DD-AFC4-6F175D3DCCD1}">
+              <a14:hiddenFill xmlns:a14="http://schemas.microsoft.com/office/drawing/2010/main">
+                <a:solidFill>
+                  <a:srgbClr val="FFFFFF"/>
+                </a:solidFill>
+              </a14:hiddenFill>
+            </a:ext>
+          </a:extLst>
+        </p:spPr>
+      </p:pic>
+      <p:pic>
+        <p:nvPicPr>
+          <p:cNvPr id="1027" name="Picture 3" descr="C:\Users\Farid\Pictures\Capture2.PNG"/>
+          <p:cNvPicPr>
+            <a:picLocks noChangeAspect="1" noChangeArrowheads="1"/>
+          </p:cNvPicPr>
+          <p:nvPr/>
+        </p:nvPicPr>
+        <p:blipFill>
+          <a:blip r:embed="rId3">
+            <a:extLst>
+              <a:ext uri="{28A0092B-C50C-407E-A947-70E740481C1C}">
+                <a14:useLocalDpi xmlns:a14="http://schemas.microsoft.com/office/drawing/2010/main" val="0"/>
+              </a:ext>
+            </a:extLst>
+          </a:blip>
+          <a:srcRect/>
+          <a:stretch>
+            <a:fillRect/>
+          </a:stretch>
+        </p:blipFill>
+        <p:spPr bwMode="auto">
+          <a:xfrm>
+            <a:off x="5292080" y="2867793"/>
+            <a:ext cx="2724150" cy="771525"/>
+          </a:xfrm>
+          <a:prstGeom prst="rect">
+            <a:avLst/>
+          </a:prstGeom>
+          <a:noFill/>
+          <a:extLst>
+            <a:ext uri="{909E8E84-426E-40DD-AFC4-6F175D3DCCD1}">
+              <a14:hiddenFill xmlns:a14="http://schemas.microsoft.com/office/drawing/2010/main">
+                <a:solidFill>
+                  <a:srgbClr val="FFFFFF"/>
+                </a:solidFill>
+              </a14:hiddenFill>
+            </a:ext>
+          </a:extLst>
+        </p:spPr>
+      </p:pic>
     </p:spTree>
     <p:extLst>
       <p:ext uri="{BB962C8B-B14F-4D97-AF65-F5344CB8AC3E}">
